--- a/gusetbook2.pptx
+++ b/gusetbook2.pptx
@@ -10307,14 +10307,14 @@
           </p:cNvPr>
           <p:cNvCxnSpPr>
             <a:cxnSpLocks/>
-            <a:stCxn id="20" idx="0"/>
+            <a:stCxn id="18" idx="3"/>
           </p:cNvCxnSpPr>
           <p:nvPr/>
         </p:nvCxnSpPr>
         <p:spPr>
           <a:xfrm flipV="1">
-            <a:off x="2056292" y="2585950"/>
-            <a:ext cx="3611186" cy="1959200"/>
+            <a:off x="2917282" y="2585951"/>
+            <a:ext cx="2750196" cy="2823856"/>
           </a:xfrm>
           <a:prstGeom prst="straightConnector1">
             <a:avLst/>
